--- a/SQL/DISEÑO DE BASE DE.pptx
+++ b/SQL/DISEÑO DE BASE DE.pptx
@@ -308,7 +308,7 @@
           <a:p>
             <a:fld id="{4AAD347D-5ACD-4C99-B74B-A9C85AD731AF}" type="datetimeFigureOut">
               <a:rPr lang="en-US" dirty="0"/>
-              <a:t>12/15/2023</a:t>
+              <a:t>12/16/2023</a:t>
             </a:fld>
             <a:endParaRPr lang="en-US" dirty="0"/>
           </a:p>
@@ -578,7 +578,7 @@
           <a:p>
             <a:fld id="{4509A250-FF31-4206-8172-F9D3106AACB1}" type="datetimeFigureOut">
               <a:rPr lang="en-US" dirty="0"/>
-              <a:t>12/15/2023</a:t>
+              <a:t>12/16/2023</a:t>
             </a:fld>
             <a:endParaRPr lang="en-US" dirty="0"/>
           </a:p>
@@ -767,7 +767,7 @@
           <a:p>
             <a:fld id="{4509A250-FF31-4206-8172-F9D3106AACB1}" type="datetimeFigureOut">
               <a:rPr lang="en-US" dirty="0"/>
-              <a:t>12/15/2023</a:t>
+              <a:t>12/16/2023</a:t>
             </a:fld>
             <a:endParaRPr lang="en-US" dirty="0"/>
           </a:p>
@@ -1035,7 +1035,7 @@
           <a:p>
             <a:fld id="{4509A250-FF31-4206-8172-F9D3106AACB1}" type="datetimeFigureOut">
               <a:rPr lang="en-US" dirty="0"/>
-              <a:t>12/15/2023</a:t>
+              <a:t>12/16/2023</a:t>
             </a:fld>
             <a:endParaRPr lang="en-US" dirty="0"/>
           </a:p>
@@ -1371,7 +1371,7 @@
           <a:p>
             <a:fld id="{4509A250-FF31-4206-8172-F9D3106AACB1}" type="datetimeFigureOut">
               <a:rPr lang="en-US" dirty="0"/>
-              <a:t>12/15/2023</a:t>
+              <a:t>12/16/2023</a:t>
             </a:fld>
             <a:endParaRPr lang="en-US" dirty="0"/>
           </a:p>
@@ -1989,7 +1989,7 @@
           <a:p>
             <a:fld id="{4509A250-FF31-4206-8172-F9D3106AACB1}" type="datetimeFigureOut">
               <a:rPr lang="en-US" dirty="0"/>
-              <a:t>12/15/2023</a:t>
+              <a:t>12/16/2023</a:t>
             </a:fld>
             <a:endParaRPr lang="en-US" dirty="0"/>
           </a:p>
@@ -2844,7 +2844,7 @@
           <a:p>
             <a:fld id="{4509A250-FF31-4206-8172-F9D3106AACB1}" type="datetimeFigureOut">
               <a:rPr lang="en-US" dirty="0"/>
-              <a:t>12/15/2023</a:t>
+              <a:t>12/16/2023</a:t>
             </a:fld>
             <a:endParaRPr lang="en-US" dirty="0"/>
           </a:p>
@@ -3009,7 +3009,7 @@
           <a:p>
             <a:fld id="{4509A250-FF31-4206-8172-F9D3106AACB1}" type="datetimeFigureOut">
               <a:rPr lang="en-US" dirty="0"/>
-              <a:t>12/15/2023</a:t>
+              <a:t>12/16/2023</a:t>
             </a:fld>
             <a:endParaRPr lang="en-US" dirty="0"/>
           </a:p>
@@ -3184,7 +3184,7 @@
           <a:p>
             <a:fld id="{4509A250-FF31-4206-8172-F9D3106AACB1}" type="datetimeFigureOut">
               <a:rPr lang="en-US" dirty="0"/>
-              <a:t>12/15/2023</a:t>
+              <a:t>12/16/2023</a:t>
             </a:fld>
             <a:endParaRPr lang="en-US" dirty="0"/>
           </a:p>
@@ -3349,7 +3349,7 @@
           <a:p>
             <a:fld id="{4509A250-FF31-4206-8172-F9D3106AACB1}" type="datetimeFigureOut">
               <a:rPr lang="en-US" dirty="0"/>
-              <a:t>12/15/2023</a:t>
+              <a:t>12/16/2023</a:t>
             </a:fld>
             <a:endParaRPr lang="en-US" dirty="0"/>
           </a:p>
@@ -3591,7 +3591,7 @@
           <a:p>
             <a:fld id="{9796027F-7875-4030-9381-8BD8C4F21935}" type="datetimeFigureOut">
               <a:rPr lang="en-US" dirty="0"/>
-              <a:t>12/15/2023</a:t>
+              <a:t>12/16/2023</a:t>
             </a:fld>
             <a:endParaRPr lang="en-US" dirty="0"/>
           </a:p>
@@ -3878,7 +3878,7 @@
           <a:p>
             <a:fld id="{9796027F-7875-4030-9381-8BD8C4F21935}" type="datetimeFigureOut">
               <a:rPr lang="en-US" dirty="0"/>
-              <a:t>12/15/2023</a:t>
+              <a:t>12/16/2023</a:t>
             </a:fld>
             <a:endParaRPr lang="en-US" dirty="0"/>
           </a:p>
@@ -4317,7 +4317,7 @@
           <a:p>
             <a:fld id="{9796027F-7875-4030-9381-8BD8C4F21935}" type="datetimeFigureOut">
               <a:rPr lang="en-US" dirty="0"/>
-              <a:t>12/15/2023</a:t>
+              <a:t>12/16/2023</a:t>
             </a:fld>
             <a:endParaRPr lang="en-US" dirty="0"/>
           </a:p>
@@ -4430,7 +4430,7 @@
           <a:p>
             <a:fld id="{4509A250-FF31-4206-8172-F9D3106AACB1}" type="datetimeFigureOut">
               <a:rPr lang="en-US" dirty="0"/>
-              <a:t>12/15/2023</a:t>
+              <a:t>12/16/2023</a:t>
             </a:fld>
             <a:endParaRPr lang="en-US" dirty="0"/>
           </a:p>
@@ -4520,7 +4520,7 @@
           <a:p>
             <a:fld id="{4509A250-FF31-4206-8172-F9D3106AACB1}" type="datetimeFigureOut">
               <a:rPr lang="en-US" dirty="0"/>
-              <a:t>12/15/2023</a:t>
+              <a:t>12/16/2023</a:t>
             </a:fld>
             <a:endParaRPr lang="en-US" dirty="0"/>
           </a:p>
@@ -4794,7 +4794,7 @@
           <a:p>
             <a:fld id="{4509A250-FF31-4206-8172-F9D3106AACB1}" type="datetimeFigureOut">
               <a:rPr lang="en-US" dirty="0"/>
-              <a:t>12/15/2023</a:t>
+              <a:t>12/16/2023</a:t>
             </a:fld>
             <a:endParaRPr lang="en-US" dirty="0"/>
           </a:p>
@@ -5064,7 +5064,7 @@
           <a:p>
             <a:fld id="{4509A250-FF31-4206-8172-F9D3106AACB1}" type="datetimeFigureOut">
               <a:rPr lang="en-US" dirty="0"/>
-              <a:t>12/15/2023</a:t>
+              <a:t>12/16/2023</a:t>
             </a:fld>
             <a:endParaRPr lang="en-US" dirty="0"/>
           </a:p>
@@ -5488,7 +5488,7 @@
           <a:p>
             <a:fld id="{4AAD347D-5ACD-4C99-B74B-A9C85AD731AF}" type="datetimeFigureOut">
               <a:rPr lang="en-US" dirty="0"/>
-              <a:t>12/15/2023</a:t>
+              <a:t>12/16/2023</a:t>
             </a:fld>
             <a:endParaRPr lang="en-US" dirty="0"/>
           </a:p>
@@ -8536,7 +8536,7 @@
             </a:r>
             <a:r>
               <a:rPr lang="es-ES" sz="2400" dirty="0" err="1"/>
-              <a:t>sqlita_master</a:t>
+              <a:t>sqlite_master</a:t>
             </a:r>
             <a:r>
               <a:rPr lang="es-ES" sz="2400" dirty="0"/>
